--- a/220802 세미나 발표.pptx
+++ b/220802 세미나 발표.pptx
@@ -134,6 +134,9 @@
           </p15:clr>
         </p15:guide>
       </p15:sldGuideLst>
+    </p:ext>
+    <p:ext uri="{2D200454-40CA-4A62-9FC3-DE9A4176ACB9}">
+      <p15:notesGuideLst xmlns:p15="http://schemas.microsoft.com/office/powerpoint/2012/main"/>
     </p:ext>
   </p:extLst>
 </p:presentation>
@@ -1040,15 +1043,6 @@
             </a:endParaRPr>
           </a:p>
           <a:p>
-            <a:endParaRPr lang="en-US" altLang="ko-KR" b="0" i="0" dirty="0">
-              <a:solidFill>
-                <a:srgbClr val="666666"/>
-              </a:solidFill>
-              <a:effectLst/>
-              <a:latin typeface="Apple SD Gothic Neo"/>
-            </a:endParaRPr>
-          </a:p>
-          <a:p>
             <a:r>
               <a:rPr lang="ko-KR" altLang="en-US" b="0" i="0" dirty="0">
                 <a:solidFill>
@@ -1136,6 +1130,93 @@
     <p:extLst>
       <p:ext uri="{BB962C8B-B14F-4D97-AF65-F5344CB8AC3E}">
         <p14:creationId xmlns:p14="http://schemas.microsoft.com/office/powerpoint/2010/main" val="3928533500"/>
+      </p:ext>
+    </p:extLst>
+  </p:cSld>
+  <p:clrMapOvr>
+    <a:masterClrMapping/>
+  </p:clrMapOvr>
+</p:notes>
+</file>
+
+<file path=ppt/notesSlides/notesSlide11.xml><?xml version="1.0" encoding="utf-8"?>
+<p:notes xmlns:a="http://schemas.openxmlformats.org/drawingml/2006/main" xmlns:r="http://schemas.openxmlformats.org/officeDocument/2006/relationships" xmlns:p="http://schemas.openxmlformats.org/presentationml/2006/main">
+  <p:cSld>
+    <p:spTree>
+      <p:nvGrpSpPr>
+        <p:cNvPr id="1" name=""/>
+        <p:cNvGrpSpPr/>
+        <p:nvPr/>
+      </p:nvGrpSpPr>
+      <p:grpSpPr>
+        <a:xfrm>
+          <a:off x="0" y="0"/>
+          <a:ext cx="0" cy="0"/>
+          <a:chOff x="0" y="0"/>
+          <a:chExt cx="0" cy="0"/>
+        </a:xfrm>
+      </p:grpSpPr>
+      <p:sp>
+        <p:nvSpPr>
+          <p:cNvPr id="2" name="슬라이드 이미지 개체 틀 1"/>
+          <p:cNvSpPr>
+            <a:spLocks noGrp="1" noRot="1" noChangeAspect="1"/>
+          </p:cNvSpPr>
+          <p:nvPr>
+            <p:ph type="sldImg"/>
+          </p:nvPr>
+        </p:nvSpPr>
+        <p:spPr/>
+      </p:sp>
+      <p:sp>
+        <p:nvSpPr>
+          <p:cNvPr id="3" name="슬라이드 노트 개체 틀 2"/>
+          <p:cNvSpPr>
+            <a:spLocks noGrp="1"/>
+          </p:cNvSpPr>
+          <p:nvPr>
+            <p:ph type="body" idx="1"/>
+          </p:nvPr>
+        </p:nvSpPr>
+        <p:spPr/>
+        <p:txBody>
+          <a:bodyPr/>
+          <a:lstStyle/>
+          <a:p>
+            <a:r>
+              <a:rPr lang="ko-KR" altLang="en-US" dirty="0"/>
+              <a:t>끝</a:t>
+            </a:r>
+          </a:p>
+        </p:txBody>
+      </p:sp>
+      <p:sp>
+        <p:nvSpPr>
+          <p:cNvPr id="4" name="슬라이드 번호 개체 틀 3"/>
+          <p:cNvSpPr>
+            <a:spLocks noGrp="1"/>
+          </p:cNvSpPr>
+          <p:nvPr>
+            <p:ph type="sldNum" sz="quarter" idx="5"/>
+          </p:nvPr>
+        </p:nvSpPr>
+        <p:spPr/>
+        <p:txBody>
+          <a:bodyPr/>
+          <a:lstStyle/>
+          <a:p>
+            <a:fld id="{251A5355-39C1-4938-8A6E-0887D0EDDD58}" type="slidenum">
+              <a:rPr lang="ko-KR" altLang="en-US" smtClean="0"/>
+              <a:t>14</a:t>
+            </a:fld>
+            <a:endParaRPr lang="ko-KR" altLang="en-US"/>
+          </a:p>
+        </p:txBody>
+      </p:sp>
+    </p:spTree>
+    <p:extLst>
+      <p:ext uri="{BB962C8B-B14F-4D97-AF65-F5344CB8AC3E}">
+        <p14:creationId xmlns:p14="http://schemas.microsoft.com/office/powerpoint/2010/main" val="1089658682"/>
       </p:ext>
     </p:extLst>
   </p:cSld>
@@ -1218,7 +1299,200 @@
                 <a:effectLst/>
                 <a:latin typeface="Noto Sans KR"/>
               </a:rPr>
-              <a:t>거에는 지금처럼 프로그램의 크기가 크지 않았어요</a:t>
+              <a:t>거에는 지금처럼 프로그램의 크기가 크지 않아서 사람들은 하나의 프로그램을 짤 때</a:t>
+            </a:r>
+            <a:r>
+              <a:rPr lang="en-US" altLang="ko-KR" b="0" i="0" dirty="0">
+                <a:solidFill>
+                  <a:srgbClr val="666666"/>
+                </a:solidFill>
+                <a:effectLst/>
+                <a:latin typeface="Noto Sans KR"/>
+              </a:rPr>
+              <a:t>, </a:t>
+            </a:r>
+            <a:r>
+              <a:rPr lang="ko-KR" altLang="en-US" b="0" i="0" dirty="0">
+                <a:solidFill>
+                  <a:srgbClr val="666666"/>
+                </a:solidFill>
+                <a:effectLst/>
+                <a:latin typeface="Noto Sans KR"/>
+              </a:rPr>
+              <a:t>기능을 중심으로 생각했다</a:t>
+            </a:r>
+          </a:p>
+          <a:p>
+            <a:pPr algn="l"/>
+            <a:r>
+              <a:rPr lang="ko-KR" altLang="en-US" b="0" i="0" dirty="0">
+                <a:solidFill>
+                  <a:srgbClr val="666666"/>
+                </a:solidFill>
+                <a:effectLst/>
+                <a:latin typeface="Noto Sans KR"/>
+              </a:rPr>
+              <a:t>만약 코드로 계산기 프로그램을 짜오세요 하고 과제를 내주면 덧셈기능</a:t>
+            </a:r>
+            <a:r>
+              <a:rPr lang="en-US" altLang="ko-KR" b="0" i="0" dirty="0">
+                <a:solidFill>
+                  <a:srgbClr val="666666"/>
+                </a:solidFill>
+                <a:effectLst/>
+                <a:latin typeface="Noto Sans KR"/>
+              </a:rPr>
+              <a:t>, </a:t>
+            </a:r>
+            <a:r>
+              <a:rPr lang="ko-KR" altLang="en-US" b="0" i="0" dirty="0">
+                <a:solidFill>
+                  <a:srgbClr val="666666"/>
+                </a:solidFill>
+                <a:effectLst/>
+                <a:latin typeface="Noto Sans KR"/>
+              </a:rPr>
+              <a:t>곱셈기능</a:t>
+            </a:r>
+            <a:r>
+              <a:rPr lang="en-US" altLang="ko-KR" b="0" i="0" dirty="0">
+                <a:solidFill>
+                  <a:srgbClr val="666666"/>
+                </a:solidFill>
+                <a:effectLst/>
+                <a:latin typeface="Noto Sans KR"/>
+              </a:rPr>
+              <a:t>, </a:t>
+            </a:r>
+            <a:r>
+              <a:rPr lang="ko-KR" altLang="en-US" b="0" i="0" dirty="0">
+                <a:solidFill>
+                  <a:srgbClr val="666666"/>
+                </a:solidFill>
+                <a:effectLst/>
+                <a:latin typeface="Noto Sans KR"/>
+              </a:rPr>
+              <a:t>나눗셈기능을 </a:t>
+            </a:r>
+            <a:r>
+              <a:rPr lang="ko-KR" altLang="en-US" b="0" i="0" dirty="0" err="1">
+                <a:solidFill>
+                  <a:srgbClr val="666666"/>
+                </a:solidFill>
+                <a:effectLst/>
+                <a:latin typeface="Noto Sans KR"/>
+              </a:rPr>
+              <a:t>만들어야겠다</a:t>
+            </a:r>
+            <a:r>
+              <a:rPr lang="ko-KR" altLang="en-US" b="0" i="0" dirty="0">
+                <a:solidFill>
+                  <a:srgbClr val="666666"/>
+                </a:solidFill>
+                <a:effectLst/>
+                <a:latin typeface="Noto Sans KR"/>
+              </a:rPr>
+              <a:t> 생각하게 되는데</a:t>
+            </a:r>
+            <a:endParaRPr lang="en-US" altLang="ko-KR" b="0" i="0" dirty="0">
+              <a:solidFill>
+                <a:srgbClr val="666666"/>
+              </a:solidFill>
+              <a:effectLst/>
+              <a:latin typeface="Noto Sans KR"/>
+            </a:endParaRPr>
+          </a:p>
+          <a:p>
+            <a:pPr algn="l"/>
+            <a:r>
+              <a:rPr lang="ko-KR" altLang="en-US" b="0" i="0" dirty="0">
+                <a:solidFill>
+                  <a:srgbClr val="666666"/>
+                </a:solidFill>
+                <a:effectLst/>
+                <a:latin typeface="Noto Sans KR"/>
+              </a:rPr>
+              <a:t>그리고 </a:t>
+            </a:r>
+            <a:r>
+              <a:rPr lang="en-US" altLang="ko-KR" b="0" i="0" dirty="0">
+                <a:solidFill>
+                  <a:srgbClr val="666666"/>
+                </a:solidFill>
+                <a:effectLst/>
+                <a:latin typeface="Noto Sans KR"/>
+              </a:rPr>
+              <a:t>+</a:t>
+            </a:r>
+            <a:r>
+              <a:rPr lang="ko-KR" altLang="en-US" b="0" i="0" dirty="0">
+                <a:solidFill>
+                  <a:srgbClr val="666666"/>
+                </a:solidFill>
+                <a:effectLst/>
+                <a:latin typeface="Noto Sans KR"/>
+              </a:rPr>
+              <a:t>버튼이 들어오면 덧셈함수를 </a:t>
+            </a:r>
+            <a:r>
+              <a:rPr lang="ko-KR" altLang="en-US" b="0" i="0" dirty="0" err="1">
+                <a:solidFill>
+                  <a:srgbClr val="666666"/>
+                </a:solidFill>
+                <a:effectLst/>
+                <a:latin typeface="Noto Sans KR"/>
+              </a:rPr>
+              <a:t>호출시켜</a:t>
+            </a:r>
+            <a:r>
+              <a:rPr lang="ko-KR" altLang="en-US" b="0" i="0" dirty="0">
+                <a:solidFill>
+                  <a:srgbClr val="666666"/>
+                </a:solidFill>
+                <a:effectLst/>
+                <a:latin typeface="Noto Sans KR"/>
+              </a:rPr>
+              <a:t> 실행하고</a:t>
+            </a:r>
+            <a:r>
+              <a:rPr lang="en-US" altLang="ko-KR" b="0" i="0" dirty="0">
+                <a:solidFill>
+                  <a:srgbClr val="666666"/>
+                </a:solidFill>
+                <a:effectLst/>
+                <a:latin typeface="Noto Sans KR"/>
+              </a:rPr>
+              <a:t>, - </a:t>
+            </a:r>
+            <a:r>
+              <a:rPr lang="ko-KR" altLang="en-US" b="0" i="0" dirty="0">
+                <a:solidFill>
+                  <a:srgbClr val="666666"/>
+                </a:solidFill>
+                <a:effectLst/>
+                <a:latin typeface="Noto Sans KR"/>
+              </a:rPr>
+              <a:t>버튼이 들어오면 뺄셈 함수를 </a:t>
+            </a:r>
+            <a:r>
+              <a:rPr lang="ko-KR" altLang="en-US" b="0" i="0" dirty="0" err="1">
+                <a:solidFill>
+                  <a:srgbClr val="666666"/>
+                </a:solidFill>
+                <a:effectLst/>
+                <a:latin typeface="Noto Sans KR"/>
+              </a:rPr>
+              <a:t>호출시켜</a:t>
+            </a:r>
+            <a:r>
+              <a:rPr lang="ko-KR" altLang="en-US" b="0" i="0" dirty="0">
+                <a:solidFill>
+                  <a:srgbClr val="666666"/>
+                </a:solidFill>
+                <a:effectLst/>
+                <a:latin typeface="Noto Sans KR"/>
+              </a:rPr>
+              <a:t> 실행</a:t>
             </a:r>
             <a:r>
               <a:rPr lang="en-US" altLang="ko-KR" b="0" i="0" dirty="0">
@@ -1234,258 +1508,6 @@
           <a:p>
             <a:pPr algn="l"/>
             <a:r>
-              <a:rPr lang="ko-KR" altLang="en-US" b="0" i="0" dirty="0">
-                <a:solidFill>
-                  <a:srgbClr val="666666"/>
-                </a:solidFill>
-                <a:effectLst/>
-                <a:latin typeface="Noto Sans KR"/>
-              </a:rPr>
-              <a:t>그러니까 사람들은 하나의 프로그램을 짤 때</a:t>
-            </a:r>
-            <a:r>
-              <a:rPr lang="en-US" altLang="ko-KR" b="0" i="0" dirty="0">
-                <a:solidFill>
-                  <a:srgbClr val="666666"/>
-                </a:solidFill>
-                <a:effectLst/>
-                <a:latin typeface="Noto Sans KR"/>
-              </a:rPr>
-              <a:t>, </a:t>
-            </a:r>
-            <a:r>
-              <a:rPr lang="ko-KR" altLang="en-US" b="0" i="0" dirty="0">
-                <a:solidFill>
-                  <a:srgbClr val="666666"/>
-                </a:solidFill>
-                <a:effectLst/>
-                <a:latin typeface="Noto Sans KR"/>
-              </a:rPr>
-              <a:t>기능을 중심으로 생각</a:t>
-            </a:r>
-          </a:p>
-          <a:p>
-            <a:pPr algn="l"/>
-            <a:r>
-              <a:rPr lang="ko-KR" altLang="en-US" b="0" i="0" dirty="0">
-                <a:solidFill>
-                  <a:srgbClr val="666666"/>
-                </a:solidFill>
-                <a:effectLst/>
-                <a:latin typeface="Noto Sans KR"/>
-              </a:rPr>
-              <a:t>제가 만약 여러분에게 코드로 계산기 프로그램을 짜오세요 하고 과제를 내주면</a:t>
-            </a:r>
-          </a:p>
-          <a:p>
-            <a:pPr algn="l"/>
-            <a:r>
-              <a:rPr lang="ko-KR" altLang="en-US" b="0" i="0" dirty="0">
-                <a:solidFill>
-                  <a:srgbClr val="666666"/>
-                </a:solidFill>
-                <a:effectLst/>
-                <a:latin typeface="Noto Sans KR"/>
-              </a:rPr>
-              <a:t>여러분은 음</a:t>
-            </a:r>
-            <a:r>
-              <a:rPr lang="en-US" altLang="ko-KR" b="0" i="0" dirty="0">
-                <a:solidFill>
-                  <a:srgbClr val="666666"/>
-                </a:solidFill>
-                <a:effectLst/>
-                <a:latin typeface="Noto Sans KR"/>
-              </a:rPr>
-              <a:t>, </a:t>
-            </a:r>
-            <a:r>
-              <a:rPr lang="ko-KR" altLang="en-US" b="0" i="0" dirty="0">
-                <a:solidFill>
-                  <a:srgbClr val="666666"/>
-                </a:solidFill>
-                <a:effectLst/>
-                <a:latin typeface="Noto Sans KR"/>
-              </a:rPr>
-              <a:t>계산기라면 덧셈기능</a:t>
-            </a:r>
-            <a:r>
-              <a:rPr lang="en-US" altLang="ko-KR" b="0" i="0" dirty="0">
-                <a:solidFill>
-                  <a:srgbClr val="666666"/>
-                </a:solidFill>
-                <a:effectLst/>
-                <a:latin typeface="Noto Sans KR"/>
-              </a:rPr>
-              <a:t>, </a:t>
-            </a:r>
-            <a:r>
-              <a:rPr lang="ko-KR" altLang="en-US" b="0" i="0" dirty="0">
-                <a:solidFill>
-                  <a:srgbClr val="666666"/>
-                </a:solidFill>
-                <a:effectLst/>
-                <a:latin typeface="Noto Sans KR"/>
-              </a:rPr>
-              <a:t>곱셈기능</a:t>
-            </a:r>
-            <a:r>
-              <a:rPr lang="en-US" altLang="ko-KR" b="0" i="0" dirty="0">
-                <a:solidFill>
-                  <a:srgbClr val="666666"/>
-                </a:solidFill>
-                <a:effectLst/>
-                <a:latin typeface="Noto Sans KR"/>
-              </a:rPr>
-              <a:t>, </a:t>
-            </a:r>
-            <a:r>
-              <a:rPr lang="ko-KR" altLang="en-US" b="0" i="0" dirty="0">
-                <a:solidFill>
-                  <a:srgbClr val="666666"/>
-                </a:solidFill>
-                <a:effectLst/>
-                <a:latin typeface="Noto Sans KR"/>
-              </a:rPr>
-              <a:t>나눗셈기능을 </a:t>
-            </a:r>
-            <a:r>
-              <a:rPr lang="ko-KR" altLang="en-US" b="0" i="0" dirty="0" err="1">
-                <a:solidFill>
-                  <a:srgbClr val="666666"/>
-                </a:solidFill>
-                <a:effectLst/>
-                <a:latin typeface="Noto Sans KR"/>
-              </a:rPr>
-              <a:t>만들어야겠군</a:t>
-            </a:r>
-            <a:r>
-              <a:rPr lang="en-US" altLang="ko-KR" b="0" i="0" dirty="0">
-                <a:solidFill>
-                  <a:srgbClr val="666666"/>
-                </a:solidFill>
-                <a:effectLst/>
-                <a:latin typeface="Noto Sans KR"/>
-              </a:rPr>
-              <a:t>.</a:t>
-            </a:r>
-          </a:p>
-          <a:p>
-            <a:pPr algn="l"/>
-            <a:r>
-              <a:rPr lang="ko-KR" altLang="en-US" b="0" i="0" dirty="0">
-                <a:solidFill>
-                  <a:srgbClr val="666666"/>
-                </a:solidFill>
-                <a:effectLst/>
-                <a:latin typeface="Noto Sans KR"/>
-              </a:rPr>
-              <a:t>그리고 </a:t>
-            </a:r>
-            <a:r>
-              <a:rPr lang="en-US" altLang="ko-KR" b="0" i="0" dirty="0">
-                <a:solidFill>
-                  <a:srgbClr val="666666"/>
-                </a:solidFill>
-                <a:effectLst/>
-                <a:latin typeface="Noto Sans KR"/>
-              </a:rPr>
-              <a:t>+</a:t>
-            </a:r>
-            <a:r>
-              <a:rPr lang="ko-KR" altLang="en-US" b="0" i="0" dirty="0">
-                <a:solidFill>
-                  <a:srgbClr val="666666"/>
-                </a:solidFill>
-                <a:effectLst/>
-                <a:latin typeface="Noto Sans KR"/>
-              </a:rPr>
-              <a:t>버튼이 들어오면 덧셈함수를 </a:t>
-            </a:r>
-            <a:r>
-              <a:rPr lang="ko-KR" altLang="en-US" b="0" i="0" dirty="0" err="1">
-                <a:solidFill>
-                  <a:srgbClr val="666666"/>
-                </a:solidFill>
-                <a:effectLst/>
-                <a:latin typeface="Noto Sans KR"/>
-              </a:rPr>
-              <a:t>호출시켜</a:t>
-            </a:r>
-            <a:r>
-              <a:rPr lang="ko-KR" altLang="en-US" b="0" i="0" dirty="0">
-                <a:solidFill>
-                  <a:srgbClr val="666666"/>
-                </a:solidFill>
-                <a:effectLst/>
-                <a:latin typeface="Noto Sans KR"/>
-              </a:rPr>
-              <a:t> 실행하고</a:t>
-            </a:r>
-            <a:r>
-              <a:rPr lang="en-US" altLang="ko-KR" b="0" i="0" dirty="0">
-                <a:solidFill>
-                  <a:srgbClr val="666666"/>
-                </a:solidFill>
-                <a:effectLst/>
-                <a:latin typeface="Noto Sans KR"/>
-              </a:rPr>
-              <a:t>, - </a:t>
-            </a:r>
-            <a:r>
-              <a:rPr lang="ko-KR" altLang="en-US" b="0" i="0" dirty="0">
-                <a:solidFill>
-                  <a:srgbClr val="666666"/>
-                </a:solidFill>
-                <a:effectLst/>
-                <a:latin typeface="Noto Sans KR"/>
-              </a:rPr>
-              <a:t>버튼이 들어오면 뺄셈 함수를 </a:t>
-            </a:r>
-            <a:r>
-              <a:rPr lang="ko-KR" altLang="en-US" b="0" i="0" dirty="0" err="1">
-                <a:solidFill>
-                  <a:srgbClr val="666666"/>
-                </a:solidFill>
-                <a:effectLst/>
-                <a:latin typeface="Noto Sans KR"/>
-              </a:rPr>
-              <a:t>호출시켜</a:t>
-            </a:r>
-            <a:r>
-              <a:rPr lang="ko-KR" altLang="en-US" b="0" i="0" dirty="0">
-                <a:solidFill>
-                  <a:srgbClr val="666666"/>
-                </a:solidFill>
-                <a:effectLst/>
-                <a:latin typeface="Noto Sans KR"/>
-              </a:rPr>
-              <a:t> </a:t>
-            </a:r>
-            <a:r>
-              <a:rPr lang="ko-KR" altLang="en-US" b="0" i="0" dirty="0" err="1">
-                <a:solidFill>
-                  <a:srgbClr val="666666"/>
-                </a:solidFill>
-                <a:effectLst/>
-                <a:latin typeface="Noto Sans KR"/>
-              </a:rPr>
-              <a:t>실행해야겠다</a:t>
-            </a:r>
-            <a:r>
-              <a:rPr lang="en-US" altLang="ko-KR" b="0" i="0" dirty="0">
-                <a:solidFill>
-                  <a:srgbClr val="666666"/>
-                </a:solidFill>
-                <a:effectLst/>
-                <a:latin typeface="Noto Sans KR"/>
-              </a:rPr>
-              <a:t>.</a:t>
-            </a:r>
-          </a:p>
-          <a:p>
-            <a:pPr algn="l"/>
-            <a:r>
               <a:rPr lang="ko-KR" altLang="en-US" b="0" i="0" dirty="0" err="1">
                 <a:solidFill>
                   <a:srgbClr val="666666"/>
@@ -1503,7 +1525,77 @@
                 <a:effectLst/>
                 <a:latin typeface="Noto Sans KR"/>
               </a:rPr>
-              <a:t> 그 프로그램이 수행할 일을 먼저 생각</a:t>
+              <a:t> 그 프로그램이 수행할 일을 먼저 생각하게 된다</a:t>
+            </a:r>
+            <a:endParaRPr lang="en-US" altLang="ko-KR" b="0" i="0" dirty="0">
+              <a:solidFill>
+                <a:srgbClr val="666666"/>
+              </a:solidFill>
+              <a:effectLst/>
+              <a:latin typeface="Noto Sans KR"/>
+            </a:endParaRPr>
+          </a:p>
+          <a:p>
+            <a:pPr algn="l"/>
+            <a:r>
+              <a:rPr lang="ko-KR" altLang="en-US" b="0" i="0" dirty="0">
+                <a:solidFill>
+                  <a:srgbClr val="666666"/>
+                </a:solidFill>
+                <a:effectLst/>
+                <a:latin typeface="Noto Sans KR"/>
+              </a:rPr>
+              <a:t>이처럼 </a:t>
+            </a:r>
+            <a:r>
+              <a:rPr lang="en-US" altLang="ko-KR" b="0" i="0" dirty="0">
+                <a:solidFill>
+                  <a:srgbClr val="666666"/>
+                </a:solidFill>
+                <a:effectLst/>
+                <a:latin typeface="Noto Sans KR"/>
+              </a:rPr>
+              <a:t>'</a:t>
+            </a:r>
+            <a:r>
+              <a:rPr lang="ko-KR" altLang="en-US" b="1" i="0" dirty="0">
+                <a:solidFill>
+                  <a:srgbClr val="006DD7"/>
+                </a:solidFill>
+                <a:effectLst/>
+                <a:latin typeface="Noto Sans KR"/>
+              </a:rPr>
+              <a:t>프로그램은 무슨 일을 하는가</a:t>
+            </a:r>
+            <a:r>
+              <a:rPr lang="en-US" altLang="ko-KR" b="1" i="0" dirty="0">
+                <a:solidFill>
+                  <a:srgbClr val="006DD7"/>
+                </a:solidFill>
+                <a:effectLst/>
+                <a:latin typeface="Noto Sans KR"/>
+              </a:rPr>
+              <a:t>?</a:t>
+            </a:r>
+            <a:r>
+              <a:rPr lang="en-US" altLang="ko-KR" b="0" i="0" dirty="0">
+                <a:solidFill>
+                  <a:srgbClr val="666666"/>
+                </a:solidFill>
+                <a:effectLst/>
+                <a:latin typeface="Noto Sans KR"/>
+              </a:rPr>
+              <a:t>'</a:t>
+            </a:r>
+            <a:r>
+              <a:rPr lang="ko-KR" altLang="en-US" b="0" i="0" dirty="0">
+                <a:solidFill>
+                  <a:srgbClr val="666666"/>
+                </a:solidFill>
+                <a:effectLst/>
+                <a:latin typeface="Noto Sans KR"/>
+              </a:rPr>
+              <a:t>라는 사고에서 비롯된 개념이 절차지향 방식</a:t>
             </a:r>
             <a:endParaRPr lang="en-US" altLang="ko-KR" b="0" i="0" dirty="0">
               <a:solidFill>
@@ -1533,7 +1625,27 @@
                 <a:effectLst/>
                 <a:latin typeface="Noto Sans KR"/>
               </a:rPr>
-              <a:t> </a:t>
+              <a:t>객체지향에서는 계산기를 큰 프로그램에서 하나의 데이터로 본다</a:t>
+            </a:r>
+            <a:endParaRPr lang="en-US" altLang="ko-KR" b="0" i="0" dirty="0">
+              <a:solidFill>
+                <a:srgbClr val="666666"/>
+              </a:solidFill>
+              <a:effectLst/>
+              <a:latin typeface="Noto Sans KR"/>
+            </a:endParaRPr>
+          </a:p>
+          <a:p>
+            <a:pPr algn="l"/>
+            <a:r>
+              <a:rPr lang="ko-KR" altLang="en-US" b="0" i="0" dirty="0">
+                <a:solidFill>
+                  <a:srgbClr val="666666"/>
+                </a:solidFill>
+                <a:effectLst/>
+                <a:latin typeface="Noto Sans KR"/>
+              </a:rPr>
+              <a:t>계산기가 있으면 사실 공학용 계산기도 있고</a:t>
             </a:r>
             <a:r>
               <a:rPr lang="en-US" altLang="ko-KR" b="0" i="0" dirty="0">
@@ -1543,27 +1655,17 @@
                 <a:effectLst/>
                 <a:latin typeface="Noto Sans KR"/>
               </a:rPr>
-              <a:t>'</a:t>
-            </a:r>
-            <a:r>
-              <a:rPr lang="ko-KR" altLang="en-US" b="1" i="0" dirty="0">
+              <a:t>, </a:t>
+            </a:r>
+            <a:r>
+              <a:rPr lang="ko-KR" altLang="en-US" b="0" i="0" dirty="0">
                 <a:solidFill>
-                  <a:srgbClr val="006DD7"/>
+                  <a:srgbClr val="666666"/>
                 </a:solidFill>
                 <a:effectLst/>
                 <a:latin typeface="Noto Sans KR"/>
               </a:rPr>
-              <a:t>프로그램은 무슨 일을 하는가</a:t>
-            </a:r>
-            <a:r>
-              <a:rPr lang="en-US" altLang="ko-KR" b="1" i="0" dirty="0">
-                <a:solidFill>
-                  <a:srgbClr val="006DD7"/>
-                </a:solidFill>
-                <a:effectLst/>
-                <a:latin typeface="Noto Sans KR"/>
-              </a:rPr>
-              <a:t>?</a:t>
+              <a:t>날짜 계산기가 있고</a:t>
             </a:r>
             <a:r>
               <a:rPr lang="en-US" altLang="ko-KR" b="0" i="0" dirty="0">
@@ -1573,7 +1675,7 @@
                 <a:effectLst/>
                 <a:latin typeface="Noto Sans KR"/>
               </a:rPr>
-              <a:t>'</a:t>
+              <a:t>, </a:t>
             </a:r>
             <a:r>
               <a:rPr lang="ko-KR" altLang="en-US" b="0" i="0" dirty="0">
@@ -1583,7 +1685,77 @@
                 <a:effectLst/>
                 <a:latin typeface="Noto Sans KR"/>
               </a:rPr>
-              <a:t>라는 사고에서 비롯된 개념이 절차지향 방식</a:t>
+              <a:t>프로그래머 계산기가 있고 많은데</a:t>
+            </a:r>
+            <a:endParaRPr lang="en-US" altLang="ko-KR" b="0" i="0" dirty="0">
+              <a:solidFill>
+                <a:srgbClr val="666666"/>
+              </a:solidFill>
+              <a:effectLst/>
+              <a:latin typeface="Noto Sans KR"/>
+            </a:endParaRPr>
+          </a:p>
+          <a:p>
+            <a:pPr algn="l"/>
+            <a:r>
+              <a:rPr lang="ko-KR" altLang="en-US" b="0" i="0" dirty="0">
+                <a:solidFill>
+                  <a:srgbClr val="666666"/>
+                </a:solidFill>
+                <a:effectLst/>
+                <a:latin typeface="Noto Sans KR"/>
+              </a:rPr>
+              <a:t>이렇게 프로그램이 확장될수록 기능으로 </a:t>
+            </a:r>
+            <a:r>
+              <a:rPr lang="ko-KR" altLang="en-US" b="0" i="0" dirty="0" err="1">
+                <a:solidFill>
+                  <a:srgbClr val="666666"/>
+                </a:solidFill>
+                <a:effectLst/>
+                <a:latin typeface="Noto Sans KR"/>
+              </a:rPr>
+              <a:t>구현했던게</a:t>
+            </a:r>
+            <a:r>
+              <a:rPr lang="en-US" altLang="ko-KR" b="0" i="0" dirty="0">
+                <a:solidFill>
+                  <a:srgbClr val="666666"/>
+                </a:solidFill>
+                <a:effectLst/>
+                <a:latin typeface="Noto Sans KR"/>
+              </a:rPr>
+              <a:t>, </a:t>
+            </a:r>
+            <a:r>
+              <a:rPr lang="ko-KR" altLang="en-US" b="0" i="0" dirty="0">
+                <a:solidFill>
+                  <a:srgbClr val="666666"/>
+                </a:solidFill>
+                <a:effectLst/>
+                <a:latin typeface="Noto Sans KR"/>
+              </a:rPr>
+              <a:t>하나의 데이터로 </a:t>
+            </a:r>
+            <a:r>
+              <a:rPr lang="ko-KR" altLang="en-US" b="0" i="0" dirty="0" err="1">
+                <a:solidFill>
+                  <a:srgbClr val="666666"/>
+                </a:solidFill>
+                <a:effectLst/>
+                <a:latin typeface="Noto Sans KR"/>
+              </a:rPr>
+              <a:t>묶여야할</a:t>
+            </a:r>
+            <a:r>
+              <a:rPr lang="ko-KR" altLang="en-US" b="0" i="0" dirty="0">
+                <a:solidFill>
+                  <a:srgbClr val="666666"/>
+                </a:solidFill>
+                <a:effectLst/>
+                <a:latin typeface="Noto Sans KR"/>
+              </a:rPr>
+              <a:t> 필요성이 생긴다</a:t>
             </a:r>
             <a:endParaRPr lang="en-US" altLang="ko-KR" b="0" i="0" dirty="0">
               <a:solidFill>
@@ -1613,7 +1785,7 @@
                 <a:effectLst/>
                 <a:latin typeface="Noto Sans KR"/>
               </a:rPr>
-              <a:t>객체지향에서는 계산기를 큰 프로그램에서 하나의 데이터로 봅니다</a:t>
+              <a:t>기존 절차지향에서는 함수가 주체</a:t>
             </a:r>
             <a:r>
               <a:rPr lang="en-US" altLang="ko-KR" b="0" i="0" dirty="0">
@@ -1623,11 +1795,8 @@
                 <a:effectLst/>
                 <a:latin typeface="Noto Sans KR"/>
               </a:rPr>
-              <a:t>.</a:t>
-            </a:r>
-          </a:p>
-          <a:p>
-            <a:pPr algn="l"/>
+              <a:t>! </a:t>
+            </a:r>
             <a:r>
               <a:rPr lang="ko-KR" altLang="en-US" b="0" i="0" dirty="0">
                 <a:solidFill>
@@ -1636,7 +1805,7 @@
                 <a:effectLst/>
                 <a:latin typeface="Noto Sans KR"/>
               </a:rPr>
-              <a:t>계산기가 있으면 사실 공학용 계산기도 있고</a:t>
+              <a:t>함수에다가 서로 연산하고자 하는 값을 넣어줬다면 </a:t>
             </a:r>
             <a:r>
               <a:rPr lang="en-US" altLang="ko-KR" b="0" i="0" dirty="0">
@@ -1646,7 +1815,7 @@
                 <a:effectLst/>
                 <a:latin typeface="Noto Sans KR"/>
               </a:rPr>
-              <a:t>, </a:t>
+              <a:t>(</a:t>
             </a:r>
             <a:r>
               <a:rPr lang="ko-KR" altLang="en-US" b="0" i="0" dirty="0">
@@ -1656,7 +1825,7 @@
                 <a:effectLst/>
                 <a:latin typeface="Noto Sans KR"/>
               </a:rPr>
-              <a:t>날짜 계산기가 있고</a:t>
+              <a:t>함수와 데이터는 별개</a:t>
             </a:r>
             <a:r>
               <a:rPr lang="en-US" altLang="ko-KR" b="0" i="0" dirty="0">
@@ -1666,8 +1835,11 @@
                 <a:effectLst/>
                 <a:latin typeface="Noto Sans KR"/>
               </a:rPr>
-              <a:t>, </a:t>
-            </a:r>
+              <a:t>)</a:t>
+            </a:r>
+          </a:p>
+          <a:p>
+            <a:pPr algn="l"/>
             <a:r>
               <a:rPr lang="ko-KR" altLang="en-US" b="0" i="0" dirty="0">
                 <a:solidFill>
@@ -1676,7 +1848,7 @@
                 <a:effectLst/>
                 <a:latin typeface="Noto Sans KR"/>
               </a:rPr>
-              <a:t>프로그래머 계산기가 있고</a:t>
+              <a:t>객체지향에서는 객체가 주체</a:t>
             </a:r>
             <a:r>
               <a:rPr lang="en-US" altLang="ko-KR" b="0" i="0" dirty="0">
@@ -1686,7 +1858,7 @@
                 <a:effectLst/>
                 <a:latin typeface="Noto Sans KR"/>
               </a:rPr>
-              <a:t>, </a:t>
+              <a:t>! Calculator</a:t>
             </a:r>
             <a:r>
               <a:rPr lang="ko-KR" altLang="en-US" b="0" i="0" dirty="0">
@@ -1696,7 +1868,7 @@
                 <a:effectLst/>
                 <a:latin typeface="Noto Sans KR"/>
               </a:rPr>
-              <a:t>많잖아요</a:t>
+              <a:t>는 </a:t>
             </a:r>
             <a:r>
               <a:rPr lang="en-US" altLang="ko-KR" b="0" i="0" dirty="0">
@@ -1706,11 +1878,28 @@
                 <a:effectLst/>
                 <a:latin typeface="Noto Sans KR"/>
               </a:rPr>
-              <a:t>?</a:t>
-            </a:r>
-          </a:p>
-          <a:p>
-            <a:pPr algn="l"/>
+              <a:t>add </a:t>
+            </a:r>
+            <a:r>
+              <a:rPr lang="ko-KR" altLang="en-US" b="0" i="0" dirty="0">
+                <a:solidFill>
+                  <a:srgbClr val="666666"/>
+                </a:solidFill>
+                <a:effectLst/>
+                <a:latin typeface="Noto Sans KR"/>
+              </a:rPr>
+              <a:t>동작</a:t>
+            </a:r>
+            <a:r>
+              <a:rPr lang="en-US" altLang="ko-KR" b="0" i="0" dirty="0">
+                <a:solidFill>
+                  <a:srgbClr val="666666"/>
+                </a:solidFill>
+                <a:effectLst/>
+                <a:latin typeface="Noto Sans KR"/>
+              </a:rPr>
+              <a:t>, minus </a:t>
+            </a:r>
             <a:r>
               <a:rPr lang="ko-KR" altLang="en-US" b="0" i="0" dirty="0" err="1">
                 <a:solidFill>
@@ -1719,7 +1908,7 @@
                 <a:effectLst/>
                 <a:latin typeface="Noto Sans KR"/>
               </a:rPr>
-              <a:t>예전에야</a:t>
+              <a:t>동작등을</a:t>
             </a:r>
             <a:r>
               <a:rPr lang="ko-KR" altLang="en-US" b="0" i="0" dirty="0">
@@ -1729,7 +1918,7 @@
                 <a:effectLst/>
                 <a:latin typeface="Noto Sans KR"/>
               </a:rPr>
-              <a:t> 그냥 간단하게 덧셈</a:t>
+              <a:t> 가지게 된다</a:t>
             </a:r>
             <a:r>
               <a:rPr lang="en-US" altLang="ko-KR" b="0" i="0" dirty="0">
@@ -1739,7 +1928,7 @@
                 <a:effectLst/>
                 <a:latin typeface="Noto Sans KR"/>
               </a:rPr>
-              <a:t>, </a:t>
+              <a:t>(</a:t>
             </a:r>
             <a:r>
               <a:rPr lang="ko-KR" altLang="en-US" b="0" i="0" dirty="0">
@@ -1749,7 +1938,7 @@
                 <a:effectLst/>
                 <a:latin typeface="Noto Sans KR"/>
               </a:rPr>
-              <a:t>뺄셈</a:t>
+              <a:t>타입에 종속적</a:t>
             </a:r>
             <a:r>
               <a:rPr lang="en-US" altLang="ko-KR" b="0" i="0" dirty="0">
@@ -1759,27 +1948,7 @@
                 <a:effectLst/>
                 <a:latin typeface="Noto Sans KR"/>
               </a:rPr>
-              <a:t>, </a:t>
-            </a:r>
-            <a:r>
-              <a:rPr lang="ko-KR" altLang="en-US" b="0" i="0" dirty="0">
-                <a:solidFill>
-                  <a:srgbClr val="666666"/>
-                </a:solidFill>
-                <a:effectLst/>
-                <a:latin typeface="Noto Sans KR"/>
-              </a:rPr>
-              <a:t>곱셈 등 몇가지만 있어도 되었다면 현시대는 그렇지 않죠</a:t>
-            </a:r>
-            <a:r>
-              <a:rPr lang="en-US" altLang="ko-KR" b="0" i="0" dirty="0">
-                <a:solidFill>
-                  <a:srgbClr val="666666"/>
-                </a:solidFill>
-                <a:effectLst/>
-                <a:latin typeface="Noto Sans KR"/>
-              </a:rPr>
-              <a:t>~</a:t>
+              <a:t>)</a:t>
             </a:r>
           </a:p>
           <a:p>
@@ -1802,272 +1971,6 @@
                 <a:effectLst/>
                 <a:latin typeface="Noto Sans KR"/>
               </a:rPr>
-              <a:t>이렇게 프로그램이 확장될수록 기능으로 </a:t>
-            </a:r>
-            <a:r>
-              <a:rPr lang="ko-KR" altLang="en-US" b="0" i="0" dirty="0" err="1">
-                <a:solidFill>
-                  <a:srgbClr val="666666"/>
-                </a:solidFill>
-                <a:effectLst/>
-                <a:latin typeface="Noto Sans KR"/>
-              </a:rPr>
-              <a:t>구현했던게</a:t>
-            </a:r>
-            <a:r>
-              <a:rPr lang="en-US" altLang="ko-KR" b="0" i="0" dirty="0">
-                <a:solidFill>
-                  <a:srgbClr val="666666"/>
-                </a:solidFill>
-                <a:effectLst/>
-                <a:latin typeface="Noto Sans KR"/>
-              </a:rPr>
-              <a:t>, </a:t>
-            </a:r>
-            <a:r>
-              <a:rPr lang="ko-KR" altLang="en-US" b="0" i="0" dirty="0">
-                <a:solidFill>
-                  <a:srgbClr val="666666"/>
-                </a:solidFill>
-                <a:effectLst/>
-                <a:latin typeface="Noto Sans KR"/>
-              </a:rPr>
-              <a:t>하나의 데이터로 </a:t>
-            </a:r>
-            <a:r>
-              <a:rPr lang="ko-KR" altLang="en-US" b="0" i="0" dirty="0" err="1">
-                <a:solidFill>
-                  <a:srgbClr val="666666"/>
-                </a:solidFill>
-                <a:effectLst/>
-                <a:latin typeface="Noto Sans KR"/>
-              </a:rPr>
-              <a:t>묶여야할</a:t>
-            </a:r>
-            <a:r>
-              <a:rPr lang="ko-KR" altLang="en-US" b="0" i="0" dirty="0">
-                <a:solidFill>
-                  <a:srgbClr val="666666"/>
-                </a:solidFill>
-                <a:effectLst/>
-                <a:latin typeface="Noto Sans KR"/>
-              </a:rPr>
-              <a:t> 필요성</a:t>
-            </a:r>
-            <a:endParaRPr lang="en-US" altLang="ko-KR" b="0" i="0" dirty="0">
-              <a:solidFill>
-                <a:srgbClr val="666666"/>
-              </a:solidFill>
-              <a:effectLst/>
-              <a:latin typeface="Noto Sans KR"/>
-            </a:endParaRPr>
-          </a:p>
-          <a:p>
-            <a:pPr algn="l"/>
-            <a:r>
-              <a:rPr lang="ko-KR" altLang="en-US" b="0" i="0" dirty="0">
-                <a:solidFill>
-                  <a:srgbClr val="666666"/>
-                </a:solidFill>
-                <a:effectLst/>
-                <a:latin typeface="Noto Sans KR"/>
-              </a:rPr>
-              <a:t>기존 절차지향에서는 함수가 주체</a:t>
-            </a:r>
-            <a:r>
-              <a:rPr lang="en-US" altLang="ko-KR" b="0" i="0" dirty="0">
-                <a:solidFill>
-                  <a:srgbClr val="666666"/>
-                </a:solidFill>
-                <a:effectLst/>
-                <a:latin typeface="Noto Sans KR"/>
-              </a:rPr>
-              <a:t>! </a:t>
-            </a:r>
-            <a:r>
-              <a:rPr lang="ko-KR" altLang="en-US" b="0" i="0" dirty="0">
-                <a:solidFill>
-                  <a:srgbClr val="666666"/>
-                </a:solidFill>
-                <a:effectLst/>
-                <a:latin typeface="Noto Sans KR"/>
-              </a:rPr>
-              <a:t>함수에다가 서로 연산하고자 하는 값을 넣어줬다면 </a:t>
-            </a:r>
-            <a:r>
-              <a:rPr lang="en-US" altLang="ko-KR" b="0" i="0" dirty="0">
-                <a:solidFill>
-                  <a:srgbClr val="666666"/>
-                </a:solidFill>
-                <a:effectLst/>
-                <a:latin typeface="Noto Sans KR"/>
-              </a:rPr>
-              <a:t>(</a:t>
-            </a:r>
-            <a:r>
-              <a:rPr lang="ko-KR" altLang="en-US" b="0" i="0" dirty="0">
-                <a:solidFill>
-                  <a:srgbClr val="666666"/>
-                </a:solidFill>
-                <a:effectLst/>
-                <a:latin typeface="Noto Sans KR"/>
-              </a:rPr>
-              <a:t>함수와 데이터는 별개</a:t>
-            </a:r>
-            <a:r>
-              <a:rPr lang="en-US" altLang="ko-KR" b="0" i="0" dirty="0">
-                <a:solidFill>
-                  <a:srgbClr val="666666"/>
-                </a:solidFill>
-                <a:effectLst/>
-                <a:latin typeface="Noto Sans KR"/>
-              </a:rPr>
-              <a:t>)</a:t>
-            </a:r>
-          </a:p>
-          <a:p>
-            <a:pPr algn="l"/>
-            <a:r>
-              <a:rPr lang="ko-KR" altLang="en-US" b="0" i="0" dirty="0">
-                <a:solidFill>
-                  <a:srgbClr val="666666"/>
-                </a:solidFill>
-                <a:effectLst/>
-                <a:latin typeface="Noto Sans KR"/>
-              </a:rPr>
-              <a:t>객체지향에서는 객체가 주체</a:t>
-            </a:r>
-            <a:r>
-              <a:rPr lang="en-US" altLang="ko-KR" b="0" i="0" dirty="0">
-                <a:solidFill>
-                  <a:srgbClr val="666666"/>
-                </a:solidFill>
-                <a:effectLst/>
-                <a:latin typeface="Noto Sans KR"/>
-              </a:rPr>
-              <a:t>! calculator</a:t>
-            </a:r>
-            <a:r>
-              <a:rPr lang="ko-KR" altLang="en-US" b="0" i="0" dirty="0">
-                <a:solidFill>
-                  <a:srgbClr val="666666"/>
-                </a:solidFill>
-                <a:effectLst/>
-                <a:latin typeface="Noto Sans KR"/>
-              </a:rPr>
-              <a:t>는 </a:t>
-            </a:r>
-            <a:r>
-              <a:rPr lang="en-US" altLang="ko-KR" b="0" i="0" dirty="0">
-                <a:solidFill>
-                  <a:srgbClr val="666666"/>
-                </a:solidFill>
-                <a:effectLst/>
-                <a:latin typeface="Noto Sans KR"/>
-              </a:rPr>
-              <a:t>add </a:t>
-            </a:r>
-            <a:r>
-              <a:rPr lang="ko-KR" altLang="en-US" b="0" i="0" dirty="0">
-                <a:solidFill>
-                  <a:srgbClr val="666666"/>
-                </a:solidFill>
-                <a:effectLst/>
-                <a:latin typeface="Noto Sans KR"/>
-              </a:rPr>
-              <a:t>동작</a:t>
-            </a:r>
-            <a:r>
-              <a:rPr lang="en-US" altLang="ko-KR" b="0" i="0" dirty="0">
-                <a:solidFill>
-                  <a:srgbClr val="666666"/>
-                </a:solidFill>
-                <a:effectLst/>
-                <a:latin typeface="Noto Sans KR"/>
-              </a:rPr>
-              <a:t>, minus </a:t>
-            </a:r>
-            <a:r>
-              <a:rPr lang="ko-KR" altLang="en-US" b="0" i="0" dirty="0">
-                <a:solidFill>
-                  <a:srgbClr val="666666"/>
-                </a:solidFill>
-                <a:effectLst/>
-                <a:latin typeface="Noto Sans KR"/>
-              </a:rPr>
-              <a:t>동작</a:t>
-            </a:r>
-            <a:r>
-              <a:rPr lang="en-US" altLang="ko-KR" b="0" i="0" dirty="0">
-                <a:solidFill>
-                  <a:srgbClr val="666666"/>
-                </a:solidFill>
-                <a:effectLst/>
-                <a:latin typeface="Noto Sans KR"/>
-              </a:rPr>
-              <a:t>, </a:t>
-            </a:r>
-            <a:r>
-              <a:rPr lang="ko-KR" altLang="en-US" b="0" i="0" dirty="0">
-                <a:solidFill>
-                  <a:srgbClr val="666666"/>
-                </a:solidFill>
-                <a:effectLst/>
-                <a:latin typeface="Noto Sans KR"/>
-              </a:rPr>
-              <a:t>등을 가지게 되는 겁니다</a:t>
-            </a:r>
-            <a:r>
-              <a:rPr lang="en-US" altLang="ko-KR" b="0" i="0" dirty="0">
-                <a:solidFill>
-                  <a:srgbClr val="666666"/>
-                </a:solidFill>
-                <a:effectLst/>
-                <a:latin typeface="Noto Sans KR"/>
-              </a:rPr>
-              <a:t>. (</a:t>
-            </a:r>
-            <a:r>
-              <a:rPr lang="ko-KR" altLang="en-US" b="0" i="0" dirty="0">
-                <a:solidFill>
-                  <a:srgbClr val="666666"/>
-                </a:solidFill>
-                <a:effectLst/>
-                <a:latin typeface="Noto Sans KR"/>
-              </a:rPr>
-              <a:t>타입에 종속적</a:t>
-            </a:r>
-            <a:r>
-              <a:rPr lang="en-US" altLang="ko-KR" b="0" i="0" dirty="0">
-                <a:solidFill>
-                  <a:srgbClr val="666666"/>
-                </a:solidFill>
-                <a:effectLst/>
-                <a:latin typeface="Noto Sans KR"/>
-              </a:rPr>
-              <a:t>)</a:t>
-            </a:r>
-          </a:p>
-          <a:p>
-            <a:pPr algn="l"/>
-            <a:endParaRPr lang="en-US" altLang="ko-KR" b="0" i="0" dirty="0">
-              <a:solidFill>
-                <a:srgbClr val="666666"/>
-              </a:solidFill>
-              <a:effectLst/>
-              <a:latin typeface="Noto Sans KR"/>
-            </a:endParaRPr>
-          </a:p>
-          <a:p>
-            <a:pPr algn="l"/>
-            <a:r>
-              <a:rPr lang="ko-KR" altLang="en-US" b="0" i="0" dirty="0">
-                <a:solidFill>
-                  <a:srgbClr val="666666"/>
-                </a:solidFill>
-                <a:effectLst/>
-                <a:latin typeface="Noto Sans KR"/>
-              </a:rPr>
               <a:t>절차지향 방식과 객체지향 방식은 서로 반대되는 관점이 아닙니다</a:t>
             </a:r>
             <a:r>
@@ -2088,25 +1991,8 @@
                 <a:effectLst/>
                 <a:latin typeface="Noto Sans KR"/>
               </a:rPr>
-              <a:t>다른 관점이예요</a:t>
-            </a:r>
-            <a:r>
-              <a:rPr lang="en-US" altLang="ko-KR" b="0" i="0" dirty="0">
-                <a:solidFill>
-                  <a:srgbClr val="666666"/>
-                </a:solidFill>
-                <a:effectLst/>
-                <a:latin typeface="Noto Sans KR"/>
-              </a:rPr>
-              <a:t>.</a:t>
-            </a:r>
-            <a:endParaRPr lang="ko-KR" altLang="en-US" b="0" i="0" dirty="0">
-              <a:solidFill>
-                <a:srgbClr val="666666"/>
-              </a:solidFill>
-              <a:effectLst/>
-              <a:latin typeface="Noto Sans KR"/>
-            </a:endParaRPr>
+              <a:t>다른 관점이다</a:t>
+            </a:r>
           </a:p>
           <a:p>
             <a:endParaRPr lang="ko-KR" altLang="en-US" dirty="0"/>
@@ -2195,11 +2081,37 @@
           <a:p>
             <a:r>
               <a:rPr lang="ko-KR" altLang="en-US" dirty="0"/>
-              <a:t>절차지향언어에서는 각각의 기능을 구현해주고 함수의 형태로 해당 기능을 이용해야만 하며</a:t>
+              <a:t>방금 전에 예시를 들었던 것처럼 절차지향언어의 대표 </a:t>
+            </a:r>
+            <a:r>
+              <a:rPr lang="en-US" altLang="ko-KR" dirty="0"/>
+              <a:t>C</a:t>
+            </a:r>
+            <a:r>
+              <a:rPr lang="ko-KR" altLang="en-US" dirty="0"/>
+              <a:t>언어로 코드를 짠 계산기와 객체지향언어의 한 종류인 </a:t>
+            </a:r>
+            <a:r>
+              <a:rPr lang="en-US" altLang="ko-KR" dirty="0"/>
+              <a:t>C++</a:t>
+            </a:r>
+            <a:r>
+              <a:rPr lang="ko-KR" altLang="en-US" dirty="0"/>
+              <a:t>로 코드를 짠 계산기이다</a:t>
             </a:r>
             <a:endParaRPr lang="en-US" altLang="ko-KR" dirty="0"/>
           </a:p>
           <a:p>
+            <a:endParaRPr lang="en-US" altLang="ko-KR" dirty="0"/>
+          </a:p>
+          <a:p>
+            <a:r>
+              <a:rPr lang="ko-KR" altLang="en-US" dirty="0"/>
+              <a:t>절차지향언어에서는 각각의 기능을 구현해주고 함수의 형태로 해당 기능을 이용해야만 하며</a:t>
+            </a:r>
+            <a:endParaRPr lang="en-US" altLang="ko-KR" dirty="0"/>
+          </a:p>
+          <a:p>
             <a:r>
               <a:rPr lang="ko-KR" altLang="en-US" dirty="0"/>
               <a:t>다른 계산기</a:t>
@@ -2210,7 +2122,7 @@
             </a:r>
             <a:r>
               <a:rPr lang="ko-KR" altLang="en-US" dirty="0"/>
-              <a:t>즉 새로운 유형이 나올 때마다  새롭게 해당 기능을 다시 정의해 주어야만 한다</a:t>
+              <a:t>즉 새로운 유형이 나올 때마다 새롭게 해당 기능을 다시 정의해 주어야만 한다</a:t>
             </a:r>
             <a:r>
               <a:rPr lang="en-US" altLang="ko-KR" dirty="0"/>
@@ -2818,7 +2730,7 @@
                 <a:effectLst/>
                 <a:latin typeface="Ubuntu Condensed" panose="020B0604020202020204" pitchFamily="34" charset="0"/>
               </a:rPr>
-              <a:t>를 사용합니다</a:t>
+              <a:t>를 사용</a:t>
             </a:r>
             <a:r>
               <a:rPr lang="en-US" altLang="ko-KR" b="0" i="0" dirty="0">
@@ -2900,6 +2812,8 @@
               </a:rPr>
               <a:t>. </a:t>
             </a:r>
+          </a:p>
+          <a:p>
             <a:r>
               <a:rPr lang="ko-KR" altLang="en-US" b="0" i="0" dirty="0">
                 <a:solidFill>
@@ -2968,8 +2882,10 @@
                 <a:effectLst/>
                 <a:latin typeface="Ubuntu Condensed" panose="020B0604020202020204" pitchFamily="34" charset="0"/>
               </a:rPr>
-              <a:t>. </a:t>
-            </a:r>
+              <a:t>.</a:t>
+            </a:r>
+          </a:p>
+          <a:p>
             <a:r>
               <a:rPr lang="ko-KR" altLang="en-US" b="0" i="0" dirty="0">
                 <a:solidFill>
@@ -3030,6 +2946,15 @@
               </a:rPr>
               <a:t>.</a:t>
             </a:r>
+          </a:p>
+          <a:p>
+            <a:endParaRPr lang="en-US" altLang="ko-KR" b="0" i="0" dirty="0">
+              <a:solidFill>
+                <a:srgbClr val="000000"/>
+              </a:solidFill>
+              <a:effectLst/>
+              <a:latin typeface="Ubuntu Condensed" panose="020B0604020202020204" pitchFamily="34" charset="0"/>
+            </a:endParaRPr>
           </a:p>
           <a:p>
             <a:pPr algn="l"/>
@@ -3240,9 +3165,6 @@
               <a:effectLst/>
               <a:latin typeface="Ubuntu Condensed" panose="020B0506030602030204" pitchFamily="34" charset="0"/>
             </a:endParaRPr>
-          </a:p>
-          <a:p>
-            <a:endParaRPr lang="ko-KR" altLang="en-US" dirty="0"/>
           </a:p>
         </p:txBody>
       </p:sp>
@@ -3962,7 +3884,18 @@
           <a:bodyPr/>
           <a:lstStyle/>
           <a:p>
-            <a:endParaRPr lang="ko-KR" altLang="en-US" dirty="0"/>
+            <a:r>
+              <a:rPr lang="ko-KR" altLang="en-US" dirty="0"/>
+              <a:t>앞서 봤던 </a:t>
+            </a:r>
+            <a:r>
+              <a:rPr lang="en-US" altLang="ko-KR" dirty="0"/>
+              <a:t>4</a:t>
+            </a:r>
+            <a:r>
+              <a:rPr lang="ko-KR" altLang="en-US" dirty="0"/>
+              <a:t>가지의 특징을 가진 자바에서의 기본 개념들을 살펴보도록 한다</a:t>
+            </a:r>
           </a:p>
         </p:txBody>
       </p:sp>
@@ -10684,13 +10617,13 @@
   <p:clrMapOvr>
     <a:masterClrMapping/>
   </p:clrMapOvr>
-  <mc:AlternateContent xmlns:mc="http://schemas.openxmlformats.org/markup-compatibility/2006">
-    <mc:Choice xmlns:p159="http://schemas.microsoft.com/office/powerpoint/2015/09/main" Requires="p159">
+  <mc:AlternateContent xmlns:mc="http://schemas.openxmlformats.org/markup-compatibility/2006" xmlns:p159="http://schemas.microsoft.com/office/powerpoint/2015/09/main">
+    <mc:Choice Requires="p159">
       <p:transition xmlns:p14="http://schemas.microsoft.com/office/powerpoint/2010/main" spd="slow" p14:dur="2000">
         <p159:morph option="byObject"/>
       </p:transition>
     </mc:Choice>
-    <mc:Fallback>
+    <mc:Fallback xmlns="">
       <p:transition spd="slow">
         <p:fade/>
       </p:transition>
@@ -11248,13 +11181,13 @@
   <p:clrMapOvr>
     <a:masterClrMapping/>
   </p:clrMapOvr>
-  <mc:AlternateContent xmlns:mc="http://schemas.openxmlformats.org/markup-compatibility/2006">
-    <mc:Choice xmlns:p159="http://schemas.microsoft.com/office/powerpoint/2015/09/main" Requires="p159">
+  <mc:AlternateContent xmlns:mc="http://schemas.openxmlformats.org/markup-compatibility/2006" xmlns:p159="http://schemas.microsoft.com/office/powerpoint/2015/09/main">
+    <mc:Choice Requires="p159">
       <p:transition xmlns:p14="http://schemas.microsoft.com/office/powerpoint/2010/main" spd="slow" p14:dur="2000">
         <p159:morph option="byObject"/>
       </p:transition>
     </mc:Choice>
-    <mc:Fallback>
+    <mc:Fallback xmlns="">
       <p:transition spd="slow">
         <p:fade/>
       </p:transition>
@@ -11295,7 +11228,7 @@
           <p:nvPr/>
         </p:nvPicPr>
         <p:blipFill rotWithShape="1">
-          <a:blip r:embed="rId2" cstate="screen">
+          <a:blip r:embed="rId3" cstate="screen">
             <a:extLst>
               <a:ext uri="{28A0092B-C50C-407E-A947-70E740481C1C}">
                 <a14:useLocalDpi xmlns:a14="http://schemas.microsoft.com/office/drawing/2010/main" val="0"/>
@@ -11859,7 +11792,7 @@
           <p:spPr>
             <a:xfrm>
               <a:off x="365760" y="2456359"/>
-              <a:ext cx="6702476" cy="769441"/>
+              <a:ext cx="2954655" cy="769441"/>
             </a:xfrm>
             <a:prstGeom prst="rect">
               <a:avLst/>
@@ -11878,7 +11811,7 @@
                     <a:schemeClr val="bg1"/>
                   </a:solidFill>
                 </a:rPr>
-                <a:t>절차지향언어와 객체지향언어란</a:t>
+                <a:t>객체지향언어</a:t>
               </a:r>
             </a:p>
           </p:txBody>
@@ -11941,7 +11874,7 @@
           <p:spPr>
             <a:xfrm>
               <a:off x="365760" y="3632201"/>
-              <a:ext cx="3700052" cy="276999"/>
+              <a:ext cx="6292107" cy="276999"/>
             </a:xfrm>
             <a:prstGeom prst="rect">
               <a:avLst/>
@@ -11960,7 +11893,7 @@
                     <a:schemeClr val="bg1"/>
                   </a:solidFill>
                 </a:rPr>
-                <a:t>절차지향언어와 객체지향언어의 개념을 살펴봅니다</a:t>
+                <a:t>절차지향언어와 객체지향언어의 개념을 살펴보고 객체지향언어의 세부내용을 알아봅니다</a:t>
               </a:r>
             </a:p>
           </p:txBody>
@@ -12146,7 +12079,7 @@
         </p:nvSpPr>
         <p:spPr>
           <a:xfrm>
-            <a:off x="3142742" y="4254277"/>
+            <a:off x="3142742" y="4312459"/>
             <a:ext cx="5775941" cy="369332"/>
           </a:xfrm>
           <a:prstGeom prst="rect">
@@ -12186,7 +12119,7 @@
         </p:nvSpPr>
         <p:spPr>
           <a:xfrm>
-            <a:off x="4285683" y="3775825"/>
+            <a:off x="4285683" y="3707597"/>
             <a:ext cx="3490058" cy="369332"/>
           </a:xfrm>
           <a:prstGeom prst="rect">
@@ -12287,6 +12220,51 @@
           </a:fontRef>
         </p:style>
       </p:cxnSp>
+      <p:sp>
+        <p:nvSpPr>
+          <p:cNvPr id="9" name="TextBox 8">
+            <a:extLst>
+              <a:ext uri="{FF2B5EF4-FFF2-40B4-BE49-F238E27FC236}">
+                <a16:creationId xmlns:a16="http://schemas.microsoft.com/office/drawing/2014/main" id="{4700D447-306A-4C5C-0CA9-0431DBD58DB4}"/>
+              </a:ext>
+            </a:extLst>
+          </p:cNvPr>
+          <p:cNvSpPr txBox="1"/>
+          <p:nvPr/>
+        </p:nvSpPr>
+        <p:spPr>
+          <a:xfrm>
+            <a:off x="5812329" y="4017221"/>
+            <a:ext cx="415499" cy="369332"/>
+          </a:xfrm>
+          <a:prstGeom prst="rect">
+            <a:avLst/>
+          </a:prstGeom>
+          <a:noFill/>
+        </p:spPr>
+        <p:txBody>
+          <a:bodyPr wrap="none" rtlCol="0">
+            <a:spAutoFit/>
+          </a:bodyPr>
+          <a:lstStyle/>
+          <a:p>
+            <a:pPr algn="ctr"/>
+            <a:r>
+              <a:rPr lang="en-US" altLang="ko-KR" spc="-300" dirty="0">
+                <a:solidFill>
+                  <a:schemeClr val="bg1"/>
+                </a:solidFill>
+              </a:rPr>
+              <a:t>VS</a:t>
+            </a:r>
+            <a:endParaRPr lang="ko-KR" altLang="en-US" spc="-300" dirty="0">
+              <a:solidFill>
+                <a:schemeClr val="bg1"/>
+              </a:solidFill>
+            </a:endParaRPr>
+          </a:p>
+        </p:txBody>
+      </p:sp>
     </p:spTree>
     <p:extLst>
       <p:ext uri="{BB962C8B-B14F-4D97-AF65-F5344CB8AC3E}">
@@ -12465,7 +12443,7 @@
         </p:nvSpPr>
         <p:spPr>
           <a:xfrm>
-            <a:off x="3048990" y="4254277"/>
+            <a:off x="3048990" y="4319322"/>
             <a:ext cx="6097978" cy="369332"/>
           </a:xfrm>
           <a:prstGeom prst="rect">
@@ -12509,7 +12487,7 @@
         </p:nvSpPr>
         <p:spPr>
           <a:xfrm>
-            <a:off x="3048990" y="3806072"/>
+            <a:off x="3048990" y="3670092"/>
             <a:ext cx="6097978" cy="369332"/>
           </a:xfrm>
           <a:prstGeom prst="rect">
@@ -12583,6 +12561,43 @@
           </a:fontRef>
         </p:style>
       </p:cxnSp>
+      <p:sp>
+        <p:nvSpPr>
+          <p:cNvPr id="8" name="TextBox 7">
+            <a:extLst>
+              <a:ext uri="{FF2B5EF4-FFF2-40B4-BE49-F238E27FC236}">
+                <a16:creationId xmlns:a16="http://schemas.microsoft.com/office/drawing/2014/main" id="{0F5B481A-4CD3-C148-5DC9-7F121F6F2C23}"/>
+              </a:ext>
+            </a:extLst>
+          </p:cNvPr>
+          <p:cNvSpPr txBox="1"/>
+          <p:nvPr/>
+        </p:nvSpPr>
+        <p:spPr>
+          <a:xfrm>
+            <a:off x="5812329" y="4017221"/>
+            <a:ext cx="415499" cy="369332"/>
+          </a:xfrm>
+          <a:prstGeom prst="rect">
+            <a:avLst/>
+          </a:prstGeom>
+          <a:noFill/>
+        </p:spPr>
+        <p:txBody>
+          <a:bodyPr wrap="none" rtlCol="0">
+            <a:spAutoFit/>
+          </a:bodyPr>
+          <a:lstStyle/>
+          <a:p>
+            <a:pPr algn="ctr"/>
+            <a:r>
+              <a:rPr lang="en-US" altLang="ko-KR" spc="-300" dirty="0"/>
+              <a:t>VS</a:t>
+            </a:r>
+            <a:endParaRPr lang="ko-KR" altLang="en-US" spc="-300" dirty="0"/>
+          </a:p>
+        </p:txBody>
+      </p:sp>
     </p:spTree>
     <p:extLst>
       <p:ext uri="{BB962C8B-B14F-4D97-AF65-F5344CB8AC3E}">
@@ -12871,13 +12886,13 @@
   <p:clrMapOvr>
     <a:masterClrMapping/>
   </p:clrMapOvr>
-  <mc:AlternateContent xmlns:mc="http://schemas.openxmlformats.org/markup-compatibility/2006">
-    <mc:Choice xmlns:p159="http://schemas.microsoft.com/office/powerpoint/2015/09/main" Requires="p159">
+  <mc:AlternateContent xmlns:mc="http://schemas.openxmlformats.org/markup-compatibility/2006" xmlns:p159="http://schemas.microsoft.com/office/powerpoint/2015/09/main">
+    <mc:Choice Requires="p159">
       <p:transition xmlns:p14="http://schemas.microsoft.com/office/powerpoint/2010/main" spd="slow" p14:dur="2000">
         <p159:morph option="byObject"/>
       </p:transition>
     </mc:Choice>
-    <mc:Fallback>
+    <mc:Fallback xmlns="">
       <p:transition spd="slow">
         <p:fade/>
       </p:transition>
